--- a/FSM_Sketch/FSM.pptx
+++ b/FSM_Sketch/FSM.pptx
@@ -104,6 +104,11 @@
       </a:defRPr>
     </a:lvl9pPr>
   </p:defaultTextStyle>
+  <p:extLst>
+    <p:ext uri="{EFAFB233-063F-42B5-8137-9DF3F51BA10A}">
+      <p15:sldGuideLst xmlns:p15="http://schemas.microsoft.com/office/powerpoint/2012/main"/>
+    </p:ext>
+  </p:extLst>
 </p:presentation>
 </file>
 
@@ -254,7 +259,7 @@
           <a:p>
             <a:fld id="{6157840E-E883-47F0-8606-20F8DA1D0D0F}" type="datetimeFigureOut">
               <a:rPr lang="en-US" smtClean="0"/>
-              <a:t>11/2/2023</a:t>
+              <a:t>11/14/2023</a:t>
             </a:fld>
             <a:endParaRPr lang="en-US"/>
           </a:p>
@@ -452,7 +457,7 @@
           <a:p>
             <a:fld id="{6157840E-E883-47F0-8606-20F8DA1D0D0F}" type="datetimeFigureOut">
               <a:rPr lang="en-US" smtClean="0"/>
-              <a:t>11/2/2023</a:t>
+              <a:t>11/14/2023</a:t>
             </a:fld>
             <a:endParaRPr lang="en-US"/>
           </a:p>
@@ -660,7 +665,7 @@
           <a:p>
             <a:fld id="{6157840E-E883-47F0-8606-20F8DA1D0D0F}" type="datetimeFigureOut">
               <a:rPr lang="en-US" smtClean="0"/>
-              <a:t>11/2/2023</a:t>
+              <a:t>11/14/2023</a:t>
             </a:fld>
             <a:endParaRPr lang="en-US"/>
           </a:p>
@@ -858,7 +863,7 @@
           <a:p>
             <a:fld id="{6157840E-E883-47F0-8606-20F8DA1D0D0F}" type="datetimeFigureOut">
               <a:rPr lang="en-US" smtClean="0"/>
-              <a:t>11/2/2023</a:t>
+              <a:t>11/14/2023</a:t>
             </a:fld>
             <a:endParaRPr lang="en-US"/>
           </a:p>
@@ -1133,7 +1138,7 @@
           <a:p>
             <a:fld id="{6157840E-E883-47F0-8606-20F8DA1D0D0F}" type="datetimeFigureOut">
               <a:rPr lang="en-US" smtClean="0"/>
-              <a:t>11/2/2023</a:t>
+              <a:t>11/14/2023</a:t>
             </a:fld>
             <a:endParaRPr lang="en-US"/>
           </a:p>
@@ -1398,7 +1403,7 @@
           <a:p>
             <a:fld id="{6157840E-E883-47F0-8606-20F8DA1D0D0F}" type="datetimeFigureOut">
               <a:rPr lang="en-US" smtClean="0"/>
-              <a:t>11/2/2023</a:t>
+              <a:t>11/14/2023</a:t>
             </a:fld>
             <a:endParaRPr lang="en-US"/>
           </a:p>
@@ -1810,7 +1815,7 @@
           <a:p>
             <a:fld id="{6157840E-E883-47F0-8606-20F8DA1D0D0F}" type="datetimeFigureOut">
               <a:rPr lang="en-US" smtClean="0"/>
-              <a:t>11/2/2023</a:t>
+              <a:t>11/14/2023</a:t>
             </a:fld>
             <a:endParaRPr lang="en-US"/>
           </a:p>
@@ -1951,7 +1956,7 @@
           <a:p>
             <a:fld id="{6157840E-E883-47F0-8606-20F8DA1D0D0F}" type="datetimeFigureOut">
               <a:rPr lang="en-US" smtClean="0"/>
-              <a:t>11/2/2023</a:t>
+              <a:t>11/14/2023</a:t>
             </a:fld>
             <a:endParaRPr lang="en-US"/>
           </a:p>
@@ -2064,7 +2069,7 @@
           <a:p>
             <a:fld id="{6157840E-E883-47F0-8606-20F8DA1D0D0F}" type="datetimeFigureOut">
               <a:rPr lang="en-US" smtClean="0"/>
-              <a:t>11/2/2023</a:t>
+              <a:t>11/14/2023</a:t>
             </a:fld>
             <a:endParaRPr lang="en-US"/>
           </a:p>
@@ -2375,7 +2380,7 @@
           <a:p>
             <a:fld id="{6157840E-E883-47F0-8606-20F8DA1D0D0F}" type="datetimeFigureOut">
               <a:rPr lang="en-US" smtClean="0"/>
-              <a:t>11/2/2023</a:t>
+              <a:t>11/14/2023</a:t>
             </a:fld>
             <a:endParaRPr lang="en-US"/>
           </a:p>
@@ -2663,7 +2668,7 @@
           <a:p>
             <a:fld id="{6157840E-E883-47F0-8606-20F8DA1D0D0F}" type="datetimeFigureOut">
               <a:rPr lang="en-US" smtClean="0"/>
-              <a:t>11/2/2023</a:t>
+              <a:t>11/14/2023</a:t>
             </a:fld>
             <a:endParaRPr lang="en-US"/>
           </a:p>
@@ -2904,7 +2909,7 @@
           <a:p>
             <a:fld id="{6157840E-E883-47F0-8606-20F8DA1D0D0F}" type="datetimeFigureOut">
               <a:rPr lang="en-US" smtClean="0"/>
-              <a:t>11/2/2023</a:t>
+              <a:t>11/14/2023</a:t>
             </a:fld>
             <a:endParaRPr lang="en-US"/>
           </a:p>
@@ -3323,10 +3328,10 @@
       </p:grpSpPr>
       <p:sp>
         <p:nvSpPr>
-          <p:cNvPr id="5" name="Oval 4">
-            <a:extLst>
-              <a:ext uri="{FF2B5EF4-FFF2-40B4-BE49-F238E27FC236}">
-                <a16:creationId xmlns:a16="http://schemas.microsoft.com/office/drawing/2014/main" id="{B4C64B37-1D6B-F8B3-C483-6DBA143B353B}"/>
+          <p:cNvPr id="10" name="Rectangle: Rounded Corners 9">
+            <a:extLst>
+              <a:ext uri="{FF2B5EF4-FFF2-40B4-BE49-F238E27FC236}">
+                <a16:creationId xmlns:a16="http://schemas.microsoft.com/office/drawing/2014/main" id="{554AC695-0480-91E7-4324-DD6FA712AFD8}"/>
               </a:ext>
             </a:extLst>
           </p:cNvPr>
@@ -3335,28 +3340,25 @@
         </p:nvSpPr>
         <p:spPr>
           <a:xfrm>
-            <a:off x="3165232" y="2016369"/>
-            <a:ext cx="1271954" cy="1271954"/>
-          </a:xfrm>
-          <a:prstGeom prst="ellipse">
+            <a:off x="252663" y="890340"/>
+            <a:ext cx="1074821" cy="733926"/>
+          </a:xfrm>
+          <a:prstGeom prst="roundRect">
             <a:avLst/>
           </a:prstGeom>
-          <a:noFill/>
         </p:spPr>
         <p:style>
           <a:lnRef idx="2">
-            <a:schemeClr val="accent1">
-              <a:shade val="15000"/>
-            </a:schemeClr>
+            <a:schemeClr val="dk1"/>
           </a:lnRef>
           <a:fillRef idx="1">
-            <a:schemeClr val="accent1"/>
+            <a:schemeClr val="lt1"/>
           </a:fillRef>
           <a:effectRef idx="0">
-            <a:schemeClr val="accent1"/>
+            <a:schemeClr val="dk1"/>
           </a:effectRef>
           <a:fontRef idx="minor">
-            <a:schemeClr val="lt1"/>
+            <a:schemeClr val="dk1"/>
           </a:fontRef>
         </p:style>
         <p:txBody>
@@ -3365,22 +3367,18 @@
           <a:p>
             <a:pPr algn="ctr"/>
             <a:r>
-              <a:rPr lang="en-US" dirty="0">
-                <a:solidFill>
-                  <a:schemeClr val="tx1"/>
-                </a:solidFill>
-              </a:rPr>
-              <a:t>Mode 1</a:t>
-            </a:r>
-          </a:p>
-        </p:txBody>
-      </p:sp>
-      <p:sp>
-        <p:nvSpPr>
-          <p:cNvPr id="6" name="Oval 5">
-            <a:extLst>
-              <a:ext uri="{FF2B5EF4-FFF2-40B4-BE49-F238E27FC236}">
-                <a16:creationId xmlns:a16="http://schemas.microsoft.com/office/drawing/2014/main" id="{9B010C33-1ABA-614F-6C24-189B25ACFF31}"/>
+              <a:rPr lang="en-US" dirty="0"/>
+              <a:t>Init</a:t>
+            </a:r>
+          </a:p>
+        </p:txBody>
+      </p:sp>
+      <p:sp>
+        <p:nvSpPr>
+          <p:cNvPr id="13" name="Rectangle: Rounded Corners 12">
+            <a:extLst>
+              <a:ext uri="{FF2B5EF4-FFF2-40B4-BE49-F238E27FC236}">
+                <a16:creationId xmlns:a16="http://schemas.microsoft.com/office/drawing/2014/main" id="{E753B8A7-4582-C01B-75C3-CA9647F3C8CD}"/>
               </a:ext>
             </a:extLst>
           </p:cNvPr>
@@ -3389,28 +3387,25 @@
         </p:nvSpPr>
         <p:spPr>
           <a:xfrm>
-            <a:off x="5460023" y="2016369"/>
-            <a:ext cx="1271954" cy="1271954"/>
-          </a:xfrm>
-          <a:prstGeom prst="ellipse">
+            <a:off x="1876926" y="890340"/>
+            <a:ext cx="1074821" cy="733926"/>
+          </a:xfrm>
+          <a:prstGeom prst="roundRect">
             <a:avLst/>
           </a:prstGeom>
-          <a:noFill/>
         </p:spPr>
         <p:style>
           <a:lnRef idx="2">
-            <a:schemeClr val="accent1">
-              <a:shade val="15000"/>
-            </a:schemeClr>
+            <a:schemeClr val="dk1"/>
           </a:lnRef>
           <a:fillRef idx="1">
-            <a:schemeClr val="accent1"/>
+            <a:schemeClr val="lt1"/>
           </a:fillRef>
           <a:effectRef idx="0">
-            <a:schemeClr val="accent1"/>
+            <a:schemeClr val="dk1"/>
           </a:effectRef>
           <a:fontRef idx="minor">
-            <a:schemeClr val="lt1"/>
+            <a:schemeClr val="dk1"/>
           </a:fontRef>
         </p:style>
         <p:txBody>
@@ -3419,197 +3414,214 @@
           <a:p>
             <a:pPr algn="ctr"/>
             <a:r>
-              <a:rPr lang="en-US" dirty="0">
-                <a:solidFill>
-                  <a:schemeClr val="tx1"/>
-                </a:solidFill>
-              </a:rPr>
-              <a:t>Mode 2</a:t>
-            </a:r>
-          </a:p>
-        </p:txBody>
-      </p:sp>
-      <p:sp>
-        <p:nvSpPr>
-          <p:cNvPr id="7" name="Oval 6">
-            <a:extLst>
-              <a:ext uri="{FF2B5EF4-FFF2-40B4-BE49-F238E27FC236}">
-                <a16:creationId xmlns:a16="http://schemas.microsoft.com/office/drawing/2014/main" id="{9A8476BC-2CD8-9253-604B-3B0F2E49AB59}"/>
-              </a:ext>
-            </a:extLst>
-          </p:cNvPr>
-          <p:cNvSpPr/>
-          <p:nvPr/>
-        </p:nvSpPr>
-        <p:spPr>
-          <a:xfrm>
-            <a:off x="7653704" y="2016369"/>
-            <a:ext cx="1271954" cy="1271954"/>
-          </a:xfrm>
-          <a:prstGeom prst="ellipse">
-            <a:avLst/>
-          </a:prstGeom>
-          <a:noFill/>
-        </p:spPr>
-        <p:style>
-          <a:lnRef idx="2">
-            <a:schemeClr val="accent1">
-              <a:shade val="15000"/>
-            </a:schemeClr>
-          </a:lnRef>
-          <a:fillRef idx="1">
-            <a:schemeClr val="accent1"/>
-          </a:fillRef>
-          <a:effectRef idx="0">
-            <a:schemeClr val="accent1"/>
-          </a:effectRef>
-          <a:fontRef idx="minor">
-            <a:schemeClr val="lt1"/>
-          </a:fontRef>
-        </p:style>
-        <p:txBody>
-          <a:bodyPr rtlCol="0" anchor="ctr"/>
-          <a:lstStyle/>
-          <a:p>
-            <a:pPr algn="ctr"/>
-            <a:r>
-              <a:rPr lang="en-US" dirty="0">
-                <a:solidFill>
-                  <a:schemeClr val="tx1"/>
-                </a:solidFill>
-              </a:rPr>
-              <a:t>Mode 3</a:t>
-            </a:r>
-          </a:p>
-        </p:txBody>
-      </p:sp>
-      <p:sp>
-        <p:nvSpPr>
-          <p:cNvPr id="8" name="Oval 7">
-            <a:extLst>
-              <a:ext uri="{FF2B5EF4-FFF2-40B4-BE49-F238E27FC236}">
-                <a16:creationId xmlns:a16="http://schemas.microsoft.com/office/drawing/2014/main" id="{88F12022-1BF6-2AFD-8D58-A238C3DBCE03}"/>
-              </a:ext>
-            </a:extLst>
-          </p:cNvPr>
-          <p:cNvSpPr/>
-          <p:nvPr/>
-        </p:nvSpPr>
-        <p:spPr>
-          <a:xfrm>
-            <a:off x="9847386" y="2016369"/>
-            <a:ext cx="1271954" cy="1271954"/>
-          </a:xfrm>
-          <a:prstGeom prst="ellipse">
-            <a:avLst/>
-          </a:prstGeom>
-          <a:noFill/>
-        </p:spPr>
-        <p:style>
-          <a:lnRef idx="2">
-            <a:schemeClr val="accent1">
-              <a:shade val="15000"/>
-            </a:schemeClr>
-          </a:lnRef>
-          <a:fillRef idx="1">
-            <a:schemeClr val="accent1"/>
-          </a:fillRef>
-          <a:effectRef idx="0">
-            <a:schemeClr val="accent1"/>
-          </a:effectRef>
-          <a:fontRef idx="minor">
-            <a:schemeClr val="lt1"/>
-          </a:fontRef>
-        </p:style>
-        <p:txBody>
-          <a:bodyPr rtlCol="0" anchor="ctr"/>
-          <a:lstStyle/>
-          <a:p>
-            <a:pPr algn="ctr"/>
-            <a:r>
-              <a:rPr lang="en-US" dirty="0">
-                <a:solidFill>
-                  <a:schemeClr val="tx1"/>
-                </a:solidFill>
-              </a:rPr>
-              <a:t>Mode 4</a:t>
-            </a:r>
-          </a:p>
-        </p:txBody>
-      </p:sp>
-      <p:sp>
-        <p:nvSpPr>
-          <p:cNvPr id="11" name="Oval 10">
-            <a:extLst>
-              <a:ext uri="{FF2B5EF4-FFF2-40B4-BE49-F238E27FC236}">
-                <a16:creationId xmlns:a16="http://schemas.microsoft.com/office/drawing/2014/main" id="{96B1D057-E867-225C-FE2C-DF9167E6689D}"/>
-              </a:ext>
-            </a:extLst>
-          </p:cNvPr>
-          <p:cNvSpPr/>
-          <p:nvPr/>
-        </p:nvSpPr>
-        <p:spPr>
-          <a:xfrm>
-            <a:off x="745883" y="2016369"/>
-            <a:ext cx="1271954" cy="1271954"/>
-          </a:xfrm>
-          <a:prstGeom prst="ellipse">
-            <a:avLst/>
-          </a:prstGeom>
-          <a:noFill/>
-        </p:spPr>
-        <p:style>
-          <a:lnRef idx="2">
-            <a:schemeClr val="accent1">
-              <a:shade val="15000"/>
-            </a:schemeClr>
-          </a:lnRef>
-          <a:fillRef idx="1">
-            <a:schemeClr val="accent1"/>
-          </a:fillRef>
-          <a:effectRef idx="0">
-            <a:schemeClr val="accent1"/>
-          </a:effectRef>
-          <a:fontRef idx="minor">
-            <a:schemeClr val="lt1"/>
-          </a:fontRef>
-        </p:style>
-        <p:txBody>
-          <a:bodyPr rtlCol="0" anchor="ctr"/>
-          <a:lstStyle/>
-          <a:p>
-            <a:pPr algn="ctr"/>
-            <a:r>
-              <a:rPr lang="en-US" dirty="0">
-                <a:solidFill>
-                  <a:schemeClr val="tx1"/>
-                </a:solidFill>
-              </a:rPr>
-              <a:t>Init</a:t>
+              <a:rPr lang="en-US" dirty="0"/>
+              <a:t>RED-GREEN</a:t>
             </a:r>
           </a:p>
         </p:txBody>
       </p:sp>
       <p:cxnSp>
         <p:nvCxnSpPr>
-          <p:cNvPr id="14" name="Straight Arrow Connector 13">
-            <a:extLst>
-              <a:ext uri="{FF2B5EF4-FFF2-40B4-BE49-F238E27FC236}">
-                <a16:creationId xmlns:a16="http://schemas.microsoft.com/office/drawing/2014/main" id="{625772AD-8E40-EDD1-FD7F-E8C4D5B78515}"/>
+          <p:cNvPr id="24" name="Straight Arrow Connector 23">
+            <a:extLst>
+              <a:ext uri="{FF2B5EF4-FFF2-40B4-BE49-F238E27FC236}">
+                <a16:creationId xmlns:a16="http://schemas.microsoft.com/office/drawing/2014/main" id="{F7F81DDA-9C10-6B94-2569-7D98A2A21E7C}"/>
               </a:ext>
             </a:extLst>
           </p:cNvPr>
           <p:cNvCxnSpPr>
-            <a:stCxn id="11" idx="6"/>
-            <a:endCxn id="5" idx="2"/>
+            <a:stCxn id="10" idx="3"/>
+            <a:endCxn id="13" idx="1"/>
           </p:cNvCxnSpPr>
           <p:nvPr/>
         </p:nvCxnSpPr>
         <p:spPr>
           <a:xfrm>
-            <a:off x="2017837" y="2652346"/>
-            <a:ext cx="1147395" cy="0"/>
+            <a:off x="1327484" y="1257303"/>
+            <a:ext cx="549442" cy="0"/>
+          </a:xfrm>
+          <a:prstGeom prst="straightConnector1">
+            <a:avLst/>
+          </a:prstGeom>
+          <a:ln>
+            <a:tailEnd type="triangle"/>
+          </a:ln>
+        </p:spPr>
+        <p:style>
+          <a:lnRef idx="1">
+            <a:schemeClr val="dk1"/>
+          </a:lnRef>
+          <a:fillRef idx="0">
+            <a:schemeClr val="dk1"/>
+          </a:fillRef>
+          <a:effectRef idx="0">
+            <a:schemeClr val="dk1"/>
+          </a:effectRef>
+          <a:fontRef idx="minor">
+            <a:schemeClr val="tx1"/>
+          </a:fontRef>
+        </p:style>
+      </p:cxnSp>
+      <p:sp>
+        <p:nvSpPr>
+          <p:cNvPr id="25" name="Rectangle: Rounded Corners 24">
+            <a:extLst>
+              <a:ext uri="{FF2B5EF4-FFF2-40B4-BE49-F238E27FC236}">
+                <a16:creationId xmlns:a16="http://schemas.microsoft.com/office/drawing/2014/main" id="{BC9D58C8-FBF2-3334-9D40-D971AB8C432B}"/>
+              </a:ext>
+            </a:extLst>
+          </p:cNvPr>
+          <p:cNvSpPr/>
+          <p:nvPr/>
+        </p:nvSpPr>
+        <p:spPr>
+          <a:xfrm>
+            <a:off x="4648200" y="890340"/>
+            <a:ext cx="1074821" cy="733926"/>
+          </a:xfrm>
+          <a:prstGeom prst="roundRect">
+            <a:avLst/>
+          </a:prstGeom>
+        </p:spPr>
+        <p:style>
+          <a:lnRef idx="2">
+            <a:schemeClr val="dk1"/>
+          </a:lnRef>
+          <a:fillRef idx="1">
+            <a:schemeClr val="lt1"/>
+          </a:fillRef>
+          <a:effectRef idx="0">
+            <a:schemeClr val="dk1"/>
+          </a:effectRef>
+          <a:fontRef idx="minor">
+            <a:schemeClr val="dk1"/>
+          </a:fontRef>
+        </p:style>
+        <p:txBody>
+          <a:bodyPr rtlCol="0" anchor="ctr"/>
+          <a:lstStyle/>
+          <a:p>
+            <a:pPr algn="ctr"/>
+            <a:r>
+              <a:rPr lang="en-US" dirty="0"/>
+              <a:t>RED-AMBER</a:t>
+            </a:r>
+          </a:p>
+        </p:txBody>
+      </p:sp>
+      <p:sp>
+        <p:nvSpPr>
+          <p:cNvPr id="26" name="Rectangle: Rounded Corners 25">
+            <a:extLst>
+              <a:ext uri="{FF2B5EF4-FFF2-40B4-BE49-F238E27FC236}">
+                <a16:creationId xmlns:a16="http://schemas.microsoft.com/office/drawing/2014/main" id="{E1735057-DE14-E557-5E80-92D5374A0550}"/>
+              </a:ext>
+            </a:extLst>
+          </p:cNvPr>
+          <p:cNvSpPr/>
+          <p:nvPr/>
+        </p:nvSpPr>
+        <p:spPr>
+          <a:xfrm>
+            <a:off x="7555832" y="890340"/>
+            <a:ext cx="1074821" cy="733926"/>
+          </a:xfrm>
+          <a:prstGeom prst="roundRect">
+            <a:avLst/>
+          </a:prstGeom>
+        </p:spPr>
+        <p:style>
+          <a:lnRef idx="2">
+            <a:schemeClr val="dk1"/>
+          </a:lnRef>
+          <a:fillRef idx="1">
+            <a:schemeClr val="lt1"/>
+          </a:fillRef>
+          <a:effectRef idx="0">
+            <a:schemeClr val="dk1"/>
+          </a:effectRef>
+          <a:fontRef idx="minor">
+            <a:schemeClr val="dk1"/>
+          </a:fontRef>
+        </p:style>
+        <p:txBody>
+          <a:bodyPr rtlCol="0" anchor="ctr"/>
+          <a:lstStyle/>
+          <a:p>
+            <a:pPr algn="ctr"/>
+            <a:r>
+              <a:rPr lang="en-US" dirty="0"/>
+              <a:t>GREEN-RED</a:t>
+            </a:r>
+          </a:p>
+        </p:txBody>
+      </p:sp>
+      <p:sp>
+        <p:nvSpPr>
+          <p:cNvPr id="27" name="Rectangle: Rounded Corners 26">
+            <a:extLst>
+              <a:ext uri="{FF2B5EF4-FFF2-40B4-BE49-F238E27FC236}">
+                <a16:creationId xmlns:a16="http://schemas.microsoft.com/office/drawing/2014/main" id="{315C8BA5-31A4-9289-987C-9766ECA35EF7}"/>
+              </a:ext>
+            </a:extLst>
+          </p:cNvPr>
+          <p:cNvSpPr/>
+          <p:nvPr/>
+        </p:nvSpPr>
+        <p:spPr>
+          <a:xfrm>
+            <a:off x="10381249" y="890340"/>
+            <a:ext cx="1074821" cy="733926"/>
+          </a:xfrm>
+          <a:prstGeom prst="roundRect">
+            <a:avLst/>
+          </a:prstGeom>
+        </p:spPr>
+        <p:style>
+          <a:lnRef idx="2">
+            <a:schemeClr val="dk1"/>
+          </a:lnRef>
+          <a:fillRef idx="1">
+            <a:schemeClr val="lt1"/>
+          </a:fillRef>
+          <a:effectRef idx="0">
+            <a:schemeClr val="dk1"/>
+          </a:effectRef>
+          <a:fontRef idx="minor">
+            <a:schemeClr val="dk1"/>
+          </a:fontRef>
+        </p:style>
+        <p:txBody>
+          <a:bodyPr rtlCol="0" anchor="ctr"/>
+          <a:lstStyle/>
+          <a:p>
+            <a:pPr algn="ctr"/>
+            <a:r>
+              <a:rPr lang="en-US" dirty="0"/>
+              <a:t>AMBER-RED</a:t>
+            </a:r>
+          </a:p>
+        </p:txBody>
+      </p:sp>
+      <p:cxnSp>
+        <p:nvCxnSpPr>
+          <p:cNvPr id="30" name="Straight Arrow Connector 29">
+            <a:extLst>
+              <a:ext uri="{FF2B5EF4-FFF2-40B4-BE49-F238E27FC236}">
+                <a16:creationId xmlns:a16="http://schemas.microsoft.com/office/drawing/2014/main" id="{6A333723-FC36-F3E6-119D-E70F5324CE8D}"/>
+              </a:ext>
+            </a:extLst>
+          </p:cNvPr>
+          <p:cNvCxnSpPr>
+            <a:stCxn id="13" idx="3"/>
+            <a:endCxn id="25" idx="1"/>
+          </p:cNvCxnSpPr>
+          <p:nvPr/>
+        </p:nvCxnSpPr>
+        <p:spPr>
+          <a:xfrm>
+            <a:off x="2951747" y="1257303"/>
+            <a:ext cx="1696453" cy="0"/>
           </a:xfrm>
           <a:prstGeom prst="straightConnector1">
             <a:avLst/>
@@ -3635,23 +3647,23 @@
       </p:cxnSp>
       <p:cxnSp>
         <p:nvCxnSpPr>
-          <p:cNvPr id="16" name="Straight Arrow Connector 15">
-            <a:extLst>
-              <a:ext uri="{FF2B5EF4-FFF2-40B4-BE49-F238E27FC236}">
-                <a16:creationId xmlns:a16="http://schemas.microsoft.com/office/drawing/2014/main" id="{4F911EA6-1060-27F1-6440-49E622441CD2}"/>
+          <p:cNvPr id="34" name="Straight Arrow Connector 33">
+            <a:extLst>
+              <a:ext uri="{FF2B5EF4-FFF2-40B4-BE49-F238E27FC236}">
+                <a16:creationId xmlns:a16="http://schemas.microsoft.com/office/drawing/2014/main" id="{2BBAD2F7-3ECA-76FA-02D4-8F1FF22260B7}"/>
               </a:ext>
             </a:extLst>
           </p:cNvPr>
           <p:cNvCxnSpPr>
-            <a:stCxn id="5" idx="6"/>
-            <a:endCxn id="6" idx="2"/>
+            <a:stCxn id="25" idx="3"/>
+            <a:endCxn id="26" idx="1"/>
           </p:cNvCxnSpPr>
           <p:nvPr/>
         </p:nvCxnSpPr>
         <p:spPr>
           <a:xfrm>
-            <a:off x="4437186" y="2652346"/>
-            <a:ext cx="1022837" cy="0"/>
+            <a:off x="5723021" y="1257303"/>
+            <a:ext cx="1832811" cy="0"/>
           </a:xfrm>
           <a:prstGeom prst="straightConnector1">
             <a:avLst/>
@@ -3677,23 +3689,525 @@
       </p:cxnSp>
       <p:cxnSp>
         <p:nvCxnSpPr>
-          <p:cNvPr id="18" name="Straight Arrow Connector 17">
-            <a:extLst>
-              <a:ext uri="{FF2B5EF4-FFF2-40B4-BE49-F238E27FC236}">
-                <a16:creationId xmlns:a16="http://schemas.microsoft.com/office/drawing/2014/main" id="{37362A5E-0E58-7CED-01F4-453A9BF5D1C6}"/>
+          <p:cNvPr id="39" name="Straight Arrow Connector 38">
+            <a:extLst>
+              <a:ext uri="{FF2B5EF4-FFF2-40B4-BE49-F238E27FC236}">
+                <a16:creationId xmlns:a16="http://schemas.microsoft.com/office/drawing/2014/main" id="{A5372293-23F7-D07F-FF3A-3A7F5B6D5EC1}"/>
               </a:ext>
             </a:extLst>
           </p:cNvPr>
           <p:cNvCxnSpPr>
-            <a:stCxn id="6" idx="6"/>
-            <a:endCxn id="7" idx="2"/>
+            <a:stCxn id="26" idx="3"/>
+            <a:endCxn id="27" idx="1"/>
           </p:cNvCxnSpPr>
           <p:nvPr/>
         </p:nvCxnSpPr>
         <p:spPr>
           <a:xfrm>
-            <a:off x="6731977" y="2652346"/>
-            <a:ext cx="921727" cy="0"/>
+            <a:off x="8630653" y="1257303"/>
+            <a:ext cx="1750596" cy="0"/>
+          </a:xfrm>
+          <a:prstGeom prst="straightConnector1">
+            <a:avLst/>
+          </a:prstGeom>
+          <a:ln>
+            <a:tailEnd type="triangle"/>
+          </a:ln>
+        </p:spPr>
+        <p:style>
+          <a:lnRef idx="1">
+            <a:schemeClr val="dk1"/>
+          </a:lnRef>
+          <a:fillRef idx="0">
+            <a:schemeClr val="dk1"/>
+          </a:fillRef>
+          <a:effectRef idx="0">
+            <a:schemeClr val="dk1"/>
+          </a:effectRef>
+          <a:fontRef idx="minor">
+            <a:schemeClr val="tx1"/>
+          </a:fontRef>
+        </p:style>
+      </p:cxnSp>
+      <p:sp>
+        <p:nvSpPr>
+          <p:cNvPr id="40" name="TextBox 39">
+            <a:extLst>
+              <a:ext uri="{FF2B5EF4-FFF2-40B4-BE49-F238E27FC236}">
+                <a16:creationId xmlns:a16="http://schemas.microsoft.com/office/drawing/2014/main" id="{EEB4A5B3-C63D-D901-19CF-DAE2698A4646}"/>
+              </a:ext>
+            </a:extLst>
+          </p:cNvPr>
+          <p:cNvSpPr txBox="1"/>
+          <p:nvPr/>
+        </p:nvSpPr>
+        <p:spPr>
+          <a:xfrm>
+            <a:off x="2957762" y="890340"/>
+            <a:ext cx="1690438" cy="369332"/>
+          </a:xfrm>
+          <a:prstGeom prst="rect">
+            <a:avLst/>
+          </a:prstGeom>
+          <a:noFill/>
+        </p:spPr>
+        <p:txBody>
+          <a:bodyPr wrap="square" rtlCol="0">
+            <a:spAutoFit/>
+          </a:bodyPr>
+          <a:lstStyle/>
+          <a:p>
+            <a:r>
+              <a:rPr lang="en-US" dirty="0"/>
+              <a:t>timer1_flag==1</a:t>
+            </a:r>
+          </a:p>
+        </p:txBody>
+      </p:sp>
+      <p:sp>
+        <p:nvSpPr>
+          <p:cNvPr id="43" name="TextBox 42">
+            <a:extLst>
+              <a:ext uri="{FF2B5EF4-FFF2-40B4-BE49-F238E27FC236}">
+                <a16:creationId xmlns:a16="http://schemas.microsoft.com/office/drawing/2014/main" id="{1EEB7A96-0B80-1468-924B-0636611CE0BC}"/>
+              </a:ext>
+            </a:extLst>
+          </p:cNvPr>
+          <p:cNvSpPr txBox="1"/>
+          <p:nvPr/>
+        </p:nvSpPr>
+        <p:spPr>
+          <a:xfrm>
+            <a:off x="5794207" y="930082"/>
+            <a:ext cx="1690438" cy="369332"/>
+          </a:xfrm>
+          <a:prstGeom prst="rect">
+            <a:avLst/>
+          </a:prstGeom>
+          <a:noFill/>
+        </p:spPr>
+        <p:txBody>
+          <a:bodyPr wrap="square" rtlCol="0">
+            <a:spAutoFit/>
+          </a:bodyPr>
+          <a:lstStyle/>
+          <a:p>
+            <a:r>
+              <a:rPr lang="en-US" dirty="0"/>
+              <a:t>timer1_flag==1</a:t>
+            </a:r>
+          </a:p>
+        </p:txBody>
+      </p:sp>
+      <p:sp>
+        <p:nvSpPr>
+          <p:cNvPr id="46" name="TextBox 45">
+            <a:extLst>
+              <a:ext uri="{FF2B5EF4-FFF2-40B4-BE49-F238E27FC236}">
+                <a16:creationId xmlns:a16="http://schemas.microsoft.com/office/drawing/2014/main" id="{8AA81978-915D-DB9E-3804-656BF2F63016}"/>
+              </a:ext>
+            </a:extLst>
+          </p:cNvPr>
+          <p:cNvSpPr txBox="1"/>
+          <p:nvPr/>
+        </p:nvSpPr>
+        <p:spPr>
+          <a:xfrm>
+            <a:off x="8690811" y="890340"/>
+            <a:ext cx="1690438" cy="369332"/>
+          </a:xfrm>
+          <a:prstGeom prst="rect">
+            <a:avLst/>
+          </a:prstGeom>
+          <a:noFill/>
+        </p:spPr>
+        <p:txBody>
+          <a:bodyPr wrap="square" rtlCol="0">
+            <a:spAutoFit/>
+          </a:bodyPr>
+          <a:lstStyle/>
+          <a:p>
+            <a:r>
+              <a:rPr lang="en-US" dirty="0"/>
+              <a:t>timer1_flag==1</a:t>
+            </a:r>
+          </a:p>
+        </p:txBody>
+      </p:sp>
+      <p:sp>
+        <p:nvSpPr>
+          <p:cNvPr id="49" name="TextBox 48">
+            <a:extLst>
+              <a:ext uri="{FF2B5EF4-FFF2-40B4-BE49-F238E27FC236}">
+                <a16:creationId xmlns:a16="http://schemas.microsoft.com/office/drawing/2014/main" id="{0172ACC9-C3F8-EA87-618F-D77A50396AF2}"/>
+              </a:ext>
+            </a:extLst>
+          </p:cNvPr>
+          <p:cNvSpPr txBox="1"/>
+          <p:nvPr/>
+        </p:nvSpPr>
+        <p:spPr>
+          <a:xfrm>
+            <a:off x="5887454" y="478898"/>
+            <a:ext cx="2803357" cy="369332"/>
+          </a:xfrm>
+          <a:prstGeom prst="rect">
+            <a:avLst/>
+          </a:prstGeom>
+          <a:noFill/>
+        </p:spPr>
+        <p:txBody>
+          <a:bodyPr wrap="square" rtlCol="0">
+            <a:spAutoFit/>
+          </a:bodyPr>
+          <a:lstStyle/>
+          <a:p>
+            <a:r>
+              <a:rPr lang="en-US" dirty="0"/>
+              <a:t>Normal Mode</a:t>
+            </a:r>
+          </a:p>
+        </p:txBody>
+      </p:sp>
+      <p:sp>
+        <p:nvSpPr>
+          <p:cNvPr id="50" name="Rectangle: Rounded Corners 49">
+            <a:extLst>
+              <a:ext uri="{FF2B5EF4-FFF2-40B4-BE49-F238E27FC236}">
+                <a16:creationId xmlns:a16="http://schemas.microsoft.com/office/drawing/2014/main" id="{A7F59093-63F8-0294-2C65-4532C3FF6D79}"/>
+              </a:ext>
+            </a:extLst>
+          </p:cNvPr>
+          <p:cNvSpPr/>
+          <p:nvPr/>
+        </p:nvSpPr>
+        <p:spPr>
+          <a:xfrm>
+            <a:off x="9906000" y="4535906"/>
+            <a:ext cx="1792706" cy="1010652"/>
+          </a:xfrm>
+          <a:prstGeom prst="roundRect">
+            <a:avLst/>
+          </a:prstGeom>
+          <a:noFill/>
+        </p:spPr>
+        <p:style>
+          <a:lnRef idx="2">
+            <a:schemeClr val="accent1">
+              <a:shade val="15000"/>
+            </a:schemeClr>
+          </a:lnRef>
+          <a:fillRef idx="1">
+            <a:schemeClr val="accent1"/>
+          </a:fillRef>
+          <a:effectRef idx="0">
+            <a:schemeClr val="accent1"/>
+          </a:effectRef>
+          <a:fontRef idx="minor">
+            <a:schemeClr val="lt1"/>
+          </a:fontRef>
+        </p:style>
+        <p:txBody>
+          <a:bodyPr rtlCol="0" anchor="ctr"/>
+          <a:lstStyle/>
+          <a:p>
+            <a:pPr algn="ctr"/>
+            <a:r>
+              <a:rPr lang="en-US" dirty="0">
+                <a:solidFill>
+                  <a:schemeClr val="tx1"/>
+                </a:solidFill>
+              </a:rPr>
+              <a:t>MAN_RED</a:t>
+            </a:r>
+          </a:p>
+        </p:txBody>
+      </p:sp>
+      <p:sp>
+        <p:nvSpPr>
+          <p:cNvPr id="51" name="Rectangle: Rounded Corners 50">
+            <a:extLst>
+              <a:ext uri="{FF2B5EF4-FFF2-40B4-BE49-F238E27FC236}">
+                <a16:creationId xmlns:a16="http://schemas.microsoft.com/office/drawing/2014/main" id="{3D0FB7F4-3294-89F7-631A-8990C87436D7}"/>
+              </a:ext>
+            </a:extLst>
+          </p:cNvPr>
+          <p:cNvSpPr/>
+          <p:nvPr/>
+        </p:nvSpPr>
+        <p:spPr>
+          <a:xfrm>
+            <a:off x="5888454" y="4535906"/>
+            <a:ext cx="1792706" cy="1010652"/>
+          </a:xfrm>
+          <a:prstGeom prst="roundRect">
+            <a:avLst/>
+          </a:prstGeom>
+          <a:noFill/>
+        </p:spPr>
+        <p:style>
+          <a:lnRef idx="2">
+            <a:schemeClr val="accent1">
+              <a:shade val="15000"/>
+            </a:schemeClr>
+          </a:lnRef>
+          <a:fillRef idx="1">
+            <a:schemeClr val="accent1"/>
+          </a:fillRef>
+          <a:effectRef idx="0">
+            <a:schemeClr val="accent1"/>
+          </a:effectRef>
+          <a:fontRef idx="minor">
+            <a:schemeClr val="lt1"/>
+          </a:fontRef>
+        </p:style>
+        <p:txBody>
+          <a:bodyPr rtlCol="0" anchor="ctr"/>
+          <a:lstStyle/>
+          <a:p>
+            <a:pPr algn="ctr"/>
+            <a:r>
+              <a:rPr lang="en-US" dirty="0">
+                <a:solidFill>
+                  <a:schemeClr val="tx1"/>
+                </a:solidFill>
+              </a:rPr>
+              <a:t>MAN_AMBER</a:t>
+            </a:r>
+          </a:p>
+        </p:txBody>
+      </p:sp>
+      <p:sp>
+        <p:nvSpPr>
+          <p:cNvPr id="52" name="Rectangle: Rounded Corners 51">
+            <a:extLst>
+              <a:ext uri="{FF2B5EF4-FFF2-40B4-BE49-F238E27FC236}">
+                <a16:creationId xmlns:a16="http://schemas.microsoft.com/office/drawing/2014/main" id="{BC379ABC-3205-172E-B674-AA68577B26A9}"/>
+              </a:ext>
+            </a:extLst>
+          </p:cNvPr>
+          <p:cNvSpPr/>
+          <p:nvPr/>
+        </p:nvSpPr>
+        <p:spPr>
+          <a:xfrm>
+            <a:off x="1885447" y="4535906"/>
+            <a:ext cx="1792706" cy="1010652"/>
+          </a:xfrm>
+          <a:prstGeom prst="roundRect">
+            <a:avLst/>
+          </a:prstGeom>
+          <a:noFill/>
+        </p:spPr>
+        <p:style>
+          <a:lnRef idx="2">
+            <a:schemeClr val="accent1">
+              <a:shade val="15000"/>
+            </a:schemeClr>
+          </a:lnRef>
+          <a:fillRef idx="1">
+            <a:schemeClr val="accent1"/>
+          </a:fillRef>
+          <a:effectRef idx="0">
+            <a:schemeClr val="accent1"/>
+          </a:effectRef>
+          <a:fontRef idx="minor">
+            <a:schemeClr val="lt1"/>
+          </a:fontRef>
+        </p:style>
+        <p:txBody>
+          <a:bodyPr rtlCol="0" anchor="ctr"/>
+          <a:lstStyle/>
+          <a:p>
+            <a:pPr algn="ctr"/>
+            <a:r>
+              <a:rPr lang="en-US" dirty="0">
+                <a:solidFill>
+                  <a:schemeClr val="tx1"/>
+                </a:solidFill>
+              </a:rPr>
+              <a:t>MAN_GREEN</a:t>
+            </a:r>
+          </a:p>
+        </p:txBody>
+      </p:sp>
+      <p:sp>
+        <p:nvSpPr>
+          <p:cNvPr id="55" name="Rectangle: Rounded Corners 54">
+            <a:extLst>
+              <a:ext uri="{FF2B5EF4-FFF2-40B4-BE49-F238E27FC236}">
+                <a16:creationId xmlns:a16="http://schemas.microsoft.com/office/drawing/2014/main" id="{069E4FCC-9CBF-ACE1-21D8-AF7C21153EE0}"/>
+              </a:ext>
+            </a:extLst>
+          </p:cNvPr>
+          <p:cNvSpPr/>
+          <p:nvPr/>
+        </p:nvSpPr>
+        <p:spPr>
+          <a:xfrm>
+            <a:off x="1876926" y="342900"/>
+            <a:ext cx="9579144" cy="1724020"/>
+          </a:xfrm>
+          <a:prstGeom prst="roundRect">
+            <a:avLst/>
+          </a:prstGeom>
+          <a:noFill/>
+        </p:spPr>
+        <p:style>
+          <a:lnRef idx="2">
+            <a:schemeClr val="accent1">
+              <a:shade val="15000"/>
+            </a:schemeClr>
+          </a:lnRef>
+          <a:fillRef idx="1">
+            <a:schemeClr val="accent1"/>
+          </a:fillRef>
+          <a:effectRef idx="0">
+            <a:schemeClr val="accent1"/>
+          </a:effectRef>
+          <a:fontRef idx="minor">
+            <a:schemeClr val="lt1"/>
+          </a:fontRef>
+        </p:style>
+        <p:txBody>
+          <a:bodyPr rtlCol="0" anchor="ctr"/>
+          <a:lstStyle/>
+          <a:p>
+            <a:pPr algn="ctr"/>
+            <a:endParaRPr lang="en-US"/>
+          </a:p>
+        </p:txBody>
+      </p:sp>
+      <p:cxnSp>
+        <p:nvCxnSpPr>
+          <p:cNvPr id="57" name="Straight Arrow Connector 56">
+            <a:extLst>
+              <a:ext uri="{FF2B5EF4-FFF2-40B4-BE49-F238E27FC236}">
+                <a16:creationId xmlns:a16="http://schemas.microsoft.com/office/drawing/2014/main" id="{F076B47E-A285-70D7-F817-A48697216314}"/>
+              </a:ext>
+            </a:extLst>
+          </p:cNvPr>
+          <p:cNvCxnSpPr>
+            <a:cxnSpLocks/>
+          </p:cNvCxnSpPr>
+          <p:nvPr/>
+        </p:nvCxnSpPr>
+        <p:spPr>
+          <a:xfrm>
+            <a:off x="10802353" y="2066920"/>
+            <a:ext cx="0" cy="2468986"/>
+          </a:xfrm>
+          <a:prstGeom prst="straightConnector1">
+            <a:avLst/>
+          </a:prstGeom>
+          <a:ln>
+            <a:tailEnd type="triangle"/>
+          </a:ln>
+        </p:spPr>
+        <p:style>
+          <a:lnRef idx="1">
+            <a:schemeClr val="dk1"/>
+          </a:lnRef>
+          <a:fillRef idx="0">
+            <a:schemeClr val="dk1"/>
+          </a:fillRef>
+          <a:effectRef idx="0">
+            <a:schemeClr val="dk1"/>
+          </a:effectRef>
+          <a:fontRef idx="minor">
+            <a:schemeClr val="tx1"/>
+          </a:fontRef>
+        </p:style>
+      </p:cxnSp>
+      <p:sp>
+        <p:nvSpPr>
+          <p:cNvPr id="58" name="TextBox 57">
+            <a:extLst>
+              <a:ext uri="{FF2B5EF4-FFF2-40B4-BE49-F238E27FC236}">
+                <a16:creationId xmlns:a16="http://schemas.microsoft.com/office/drawing/2014/main" id="{EE4F3C00-F2CC-9BAD-9FE2-E92302884216}"/>
+              </a:ext>
+            </a:extLst>
+          </p:cNvPr>
+          <p:cNvSpPr txBox="1"/>
+          <p:nvPr/>
+        </p:nvSpPr>
+        <p:spPr>
+          <a:xfrm rot="5400000">
+            <a:off x="10089801" y="3116747"/>
+            <a:ext cx="1952126" cy="369332"/>
+          </a:xfrm>
+          <a:prstGeom prst="rect">
+            <a:avLst/>
+          </a:prstGeom>
+          <a:noFill/>
+        </p:spPr>
+        <p:txBody>
+          <a:bodyPr wrap="square" rtlCol="0">
+            <a:spAutoFit/>
+          </a:bodyPr>
+          <a:lstStyle/>
+          <a:p>
+            <a:r>
+              <a:rPr lang="en-US" dirty="0"/>
+              <a:t>isButton1Pressed()</a:t>
+            </a:r>
+          </a:p>
+        </p:txBody>
+      </p:sp>
+      <p:sp>
+        <p:nvSpPr>
+          <p:cNvPr id="60" name="TextBox 59">
+            <a:extLst>
+              <a:ext uri="{FF2B5EF4-FFF2-40B4-BE49-F238E27FC236}">
+                <a16:creationId xmlns:a16="http://schemas.microsoft.com/office/drawing/2014/main" id="{FDA01376-1BCD-6C1D-C2C4-E19B339FF67E}"/>
+              </a:ext>
+            </a:extLst>
+          </p:cNvPr>
+          <p:cNvSpPr txBox="1"/>
+          <p:nvPr/>
+        </p:nvSpPr>
+        <p:spPr>
+          <a:xfrm>
+            <a:off x="7817517" y="4616756"/>
+            <a:ext cx="1952126" cy="369332"/>
+          </a:xfrm>
+          <a:prstGeom prst="rect">
+            <a:avLst/>
+          </a:prstGeom>
+          <a:noFill/>
+        </p:spPr>
+        <p:txBody>
+          <a:bodyPr wrap="square" rtlCol="0">
+            <a:spAutoFit/>
+          </a:bodyPr>
+          <a:lstStyle/>
+          <a:p>
+            <a:r>
+              <a:rPr lang="en-US" dirty="0"/>
+              <a:t>isButton1Pressed()</a:t>
+            </a:r>
+          </a:p>
+        </p:txBody>
+      </p:sp>
+      <p:cxnSp>
+        <p:nvCxnSpPr>
+          <p:cNvPr id="62" name="Straight Arrow Connector 61">
+            <a:extLst>
+              <a:ext uri="{FF2B5EF4-FFF2-40B4-BE49-F238E27FC236}">
+                <a16:creationId xmlns:a16="http://schemas.microsoft.com/office/drawing/2014/main" id="{E4EF62CE-9F4B-7380-F4AD-C7DC595AC0FD}"/>
+              </a:ext>
+            </a:extLst>
+          </p:cNvPr>
+          <p:cNvCxnSpPr>
+            <a:stCxn id="50" idx="1"/>
+            <a:endCxn id="51" idx="3"/>
+          </p:cNvCxnSpPr>
+          <p:nvPr/>
+        </p:nvCxnSpPr>
+        <p:spPr>
+          <a:xfrm flipH="1">
+            <a:off x="7681160" y="5041232"/>
+            <a:ext cx="2224840" cy="0"/>
           </a:xfrm>
           <a:prstGeom prst="straightConnector1">
             <a:avLst/>
@@ -3719,23 +4233,20 @@
       </p:cxnSp>
       <p:cxnSp>
         <p:nvCxnSpPr>
-          <p:cNvPr id="20" name="Straight Arrow Connector 19">
-            <a:extLst>
-              <a:ext uri="{FF2B5EF4-FFF2-40B4-BE49-F238E27FC236}">
-                <a16:creationId xmlns:a16="http://schemas.microsoft.com/office/drawing/2014/main" id="{88F79CA4-3771-9BAE-D553-EF549F5DBF1C}"/>
-              </a:ext>
-            </a:extLst>
-          </p:cNvPr>
-          <p:cNvCxnSpPr>
-            <a:stCxn id="7" idx="6"/>
-            <a:endCxn id="8" idx="2"/>
-          </p:cNvCxnSpPr>
+          <p:cNvPr id="63" name="Straight Arrow Connector 62">
+            <a:extLst>
+              <a:ext uri="{FF2B5EF4-FFF2-40B4-BE49-F238E27FC236}">
+                <a16:creationId xmlns:a16="http://schemas.microsoft.com/office/drawing/2014/main" id="{17C47940-A45C-2464-EC5F-2565EBBF2F00}"/>
+              </a:ext>
+            </a:extLst>
+          </p:cNvPr>
+          <p:cNvCxnSpPr/>
           <p:nvPr/>
         </p:nvCxnSpPr>
         <p:spPr>
-          <a:xfrm>
-            <a:off x="8925658" y="2652346"/>
-            <a:ext cx="921728" cy="0"/>
+          <a:xfrm flipH="1">
+            <a:off x="3678153" y="5015164"/>
+            <a:ext cx="2224840" cy="0"/>
           </a:xfrm>
           <a:prstGeom prst="straightConnector1">
             <a:avLst/>
@@ -3759,28 +4270,66 @@
           </a:fontRef>
         </p:style>
       </p:cxnSp>
+      <p:sp>
+        <p:nvSpPr>
+          <p:cNvPr id="64" name="TextBox 63">
+            <a:extLst>
+              <a:ext uri="{FF2B5EF4-FFF2-40B4-BE49-F238E27FC236}">
+                <a16:creationId xmlns:a16="http://schemas.microsoft.com/office/drawing/2014/main" id="{A456F77C-0D88-5E22-7231-956B0B36E472}"/>
+              </a:ext>
+            </a:extLst>
+          </p:cNvPr>
+          <p:cNvSpPr txBox="1"/>
+          <p:nvPr/>
+        </p:nvSpPr>
+        <p:spPr>
+          <a:xfrm>
+            <a:off x="3868150" y="4590869"/>
+            <a:ext cx="1952126" cy="369332"/>
+          </a:xfrm>
+          <a:prstGeom prst="rect">
+            <a:avLst/>
+          </a:prstGeom>
+          <a:noFill/>
+        </p:spPr>
+        <p:txBody>
+          <a:bodyPr wrap="square" rtlCol="0">
+            <a:spAutoFit/>
+          </a:bodyPr>
+          <a:lstStyle/>
+          <a:p>
+            <a:r>
+              <a:rPr lang="en-US" dirty="0"/>
+              <a:t>isButton1Pressed()</a:t>
+            </a:r>
+          </a:p>
+        </p:txBody>
+      </p:sp>
       <p:cxnSp>
         <p:nvCxnSpPr>
-          <p:cNvPr id="23" name="Straight Connector 22">
-            <a:extLst>
-              <a:ext uri="{FF2B5EF4-FFF2-40B4-BE49-F238E27FC236}">
-                <a16:creationId xmlns:a16="http://schemas.microsoft.com/office/drawing/2014/main" id="{84069E7C-F0E9-B0D5-7D13-CC9E10A42715}"/>
+          <p:cNvPr id="65" name="Straight Arrow Connector 64">
+            <a:extLst>
+              <a:ext uri="{FF2B5EF4-FFF2-40B4-BE49-F238E27FC236}">
+                <a16:creationId xmlns:a16="http://schemas.microsoft.com/office/drawing/2014/main" id="{D50A6BAD-327E-0E89-4EEE-BECDCDE0DED6}"/>
               </a:ext>
             </a:extLst>
           </p:cNvPr>
           <p:cNvCxnSpPr>
-            <a:stCxn id="8" idx="4"/>
+            <a:cxnSpLocks/>
           </p:cNvCxnSpPr>
           <p:nvPr/>
         </p:nvCxnSpPr>
         <p:spPr>
-          <a:xfrm>
-            <a:off x="10483363" y="3288323"/>
-            <a:ext cx="0" cy="468923"/>
-          </a:xfrm>
-          <a:prstGeom prst="line">
+          <a:xfrm flipV="1">
+            <a:off x="2734678" y="2066920"/>
+            <a:ext cx="0" cy="2468986"/>
+          </a:xfrm>
+          <a:prstGeom prst="straightConnector1">
             <a:avLst/>
           </a:prstGeom>
+          <a:ln>
+            <a:tailEnd type="triangle"/>
+          </a:ln>
         </p:spPr>
         <p:style>
           <a:lnRef idx="1">
@@ -3797,89 +4346,12 @@
           </a:fontRef>
         </p:style>
       </p:cxnSp>
-      <p:cxnSp>
-        <p:nvCxnSpPr>
-          <p:cNvPr id="29" name="Straight Connector 28">
-            <a:extLst>
-              <a:ext uri="{FF2B5EF4-FFF2-40B4-BE49-F238E27FC236}">
-                <a16:creationId xmlns:a16="http://schemas.microsoft.com/office/drawing/2014/main" id="{E18DF282-36FE-7C27-4270-23AD291C2803}"/>
-              </a:ext>
-            </a:extLst>
-          </p:cNvPr>
-          <p:cNvCxnSpPr/>
-          <p:nvPr/>
-        </p:nvCxnSpPr>
-        <p:spPr>
-          <a:xfrm flipH="1">
-            <a:off x="3801209" y="3757246"/>
-            <a:ext cx="6682154" cy="0"/>
-          </a:xfrm>
-          <a:prstGeom prst="line">
-            <a:avLst/>
-          </a:prstGeom>
-        </p:spPr>
-        <p:style>
-          <a:lnRef idx="1">
-            <a:schemeClr val="dk1"/>
-          </a:lnRef>
-          <a:fillRef idx="0">
-            <a:schemeClr val="dk1"/>
-          </a:fillRef>
-          <a:effectRef idx="0">
-            <a:schemeClr val="dk1"/>
-          </a:effectRef>
-          <a:fontRef idx="minor">
-            <a:schemeClr val="tx1"/>
-          </a:fontRef>
-        </p:style>
-      </p:cxnSp>
-      <p:cxnSp>
-        <p:nvCxnSpPr>
-          <p:cNvPr id="31" name="Straight Arrow Connector 30">
-            <a:extLst>
-              <a:ext uri="{FF2B5EF4-FFF2-40B4-BE49-F238E27FC236}">
-                <a16:creationId xmlns:a16="http://schemas.microsoft.com/office/drawing/2014/main" id="{44BF629B-DAEF-5EE6-0D0D-3DE4A230C39F}"/>
-              </a:ext>
-            </a:extLst>
-          </p:cNvPr>
-          <p:cNvCxnSpPr>
-            <a:endCxn id="5" idx="4"/>
-          </p:cNvCxnSpPr>
-          <p:nvPr/>
-        </p:nvCxnSpPr>
-        <p:spPr>
-          <a:xfrm flipV="1">
-            <a:off x="3801209" y="3288323"/>
-            <a:ext cx="0" cy="468923"/>
-          </a:xfrm>
-          <a:prstGeom prst="straightConnector1">
-            <a:avLst/>
-          </a:prstGeom>
-          <a:ln>
-            <a:tailEnd type="triangle"/>
-          </a:ln>
-        </p:spPr>
-        <p:style>
-          <a:lnRef idx="1">
-            <a:schemeClr val="dk1"/>
-          </a:lnRef>
-          <a:fillRef idx="0">
-            <a:schemeClr val="dk1"/>
-          </a:fillRef>
-          <a:effectRef idx="0">
-            <a:schemeClr val="dk1"/>
-          </a:effectRef>
-          <a:fontRef idx="minor">
-            <a:schemeClr val="tx1"/>
-          </a:fontRef>
-        </p:style>
-      </p:cxnSp>
-      <p:sp>
-        <p:nvSpPr>
-          <p:cNvPr id="32" name="TextBox 31">
-            <a:extLst>
-              <a:ext uri="{FF2B5EF4-FFF2-40B4-BE49-F238E27FC236}">
-                <a16:creationId xmlns:a16="http://schemas.microsoft.com/office/drawing/2014/main" id="{85DAF910-DF38-56AF-6F6E-6C2899782040}"/>
+      <p:sp>
+        <p:nvSpPr>
+          <p:cNvPr id="66" name="TextBox 65">
+            <a:extLst>
+              <a:ext uri="{FF2B5EF4-FFF2-40B4-BE49-F238E27FC236}">
+                <a16:creationId xmlns:a16="http://schemas.microsoft.com/office/drawing/2014/main" id="{4D352DFA-CFF3-F90B-9D3E-479E263DE8B2}"/>
               </a:ext>
             </a:extLst>
           </p:cNvPr>
@@ -3887,9 +4359,9 @@
           <p:nvPr/>
         </p:nvSpPr>
         <p:spPr>
-          <a:xfrm>
-            <a:off x="4538295" y="2390736"/>
-            <a:ext cx="827944" cy="523220"/>
+          <a:xfrm rot="16200000" flipV="1">
+            <a:off x="2022126" y="3116747"/>
+            <a:ext cx="1952126" cy="369332"/>
           </a:xfrm>
           <a:prstGeom prst="rect">
             <a:avLst/>
@@ -3903,113 +4375,8 @@
           <a:lstStyle/>
           <a:p>
             <a:r>
-              <a:rPr lang="en-US" sz="1400" dirty="0"/>
-              <a:t>Button1 pressed</a:t>
-            </a:r>
-          </a:p>
-        </p:txBody>
-      </p:sp>
-      <p:sp>
-        <p:nvSpPr>
-          <p:cNvPr id="35" name="TextBox 34">
-            <a:extLst>
-              <a:ext uri="{FF2B5EF4-FFF2-40B4-BE49-F238E27FC236}">
-                <a16:creationId xmlns:a16="http://schemas.microsoft.com/office/drawing/2014/main" id="{5A740E1A-3F8B-270C-B17B-CD45EF2F0027}"/>
-              </a:ext>
-            </a:extLst>
-          </p:cNvPr>
-          <p:cNvSpPr txBox="1"/>
-          <p:nvPr/>
-        </p:nvSpPr>
-        <p:spPr>
-          <a:xfrm>
-            <a:off x="6778868" y="2390736"/>
-            <a:ext cx="827944" cy="523220"/>
-          </a:xfrm>
-          <a:prstGeom prst="rect">
-            <a:avLst/>
-          </a:prstGeom>
-          <a:noFill/>
-        </p:spPr>
-        <p:txBody>
-          <a:bodyPr wrap="square" rtlCol="0">
-            <a:spAutoFit/>
-          </a:bodyPr>
-          <a:lstStyle/>
-          <a:p>
-            <a:r>
-              <a:rPr lang="en-US" sz="1400" dirty="0"/>
-              <a:t>Button1 pressed</a:t>
-            </a:r>
-          </a:p>
-        </p:txBody>
-      </p:sp>
-      <p:sp>
-        <p:nvSpPr>
-          <p:cNvPr id="36" name="TextBox 35">
-            <a:extLst>
-              <a:ext uri="{FF2B5EF4-FFF2-40B4-BE49-F238E27FC236}">
-                <a16:creationId xmlns:a16="http://schemas.microsoft.com/office/drawing/2014/main" id="{F9DDC88C-7612-5346-A5DA-C188B25DA383}"/>
-              </a:ext>
-            </a:extLst>
-          </p:cNvPr>
-          <p:cNvSpPr txBox="1"/>
-          <p:nvPr/>
-        </p:nvSpPr>
-        <p:spPr>
-          <a:xfrm>
-            <a:off x="8972550" y="2390736"/>
-            <a:ext cx="827944" cy="523220"/>
-          </a:xfrm>
-          <a:prstGeom prst="rect">
-            <a:avLst/>
-          </a:prstGeom>
-          <a:noFill/>
-        </p:spPr>
-        <p:txBody>
-          <a:bodyPr wrap="square" rtlCol="0">
-            <a:spAutoFit/>
-          </a:bodyPr>
-          <a:lstStyle/>
-          <a:p>
-            <a:r>
-              <a:rPr lang="en-US" sz="1400" dirty="0"/>
-              <a:t>Button1 pressed</a:t>
-            </a:r>
-          </a:p>
-        </p:txBody>
-      </p:sp>
-      <p:sp>
-        <p:nvSpPr>
-          <p:cNvPr id="37" name="TextBox 36">
-            <a:extLst>
-              <a:ext uri="{FF2B5EF4-FFF2-40B4-BE49-F238E27FC236}">
-                <a16:creationId xmlns:a16="http://schemas.microsoft.com/office/drawing/2014/main" id="{A9137C56-E719-0384-BC2C-31002BCA2738}"/>
-              </a:ext>
-            </a:extLst>
-          </p:cNvPr>
-          <p:cNvSpPr txBox="1"/>
-          <p:nvPr/>
-        </p:nvSpPr>
-        <p:spPr>
-          <a:xfrm>
-            <a:off x="6556129" y="3495636"/>
-            <a:ext cx="827944" cy="523220"/>
-          </a:xfrm>
-          <a:prstGeom prst="rect">
-            <a:avLst/>
-          </a:prstGeom>
-          <a:noFill/>
-        </p:spPr>
-        <p:txBody>
-          <a:bodyPr wrap="square" rtlCol="0">
-            <a:spAutoFit/>
-          </a:bodyPr>
-          <a:lstStyle/>
-          <a:p>
-            <a:r>
-              <a:rPr lang="en-US" sz="1400" dirty="0"/>
-              <a:t>Button1 pressed</a:t>
+              <a:rPr lang="en-US" dirty="0"/>
+              <a:t>isButton1Pressed()</a:t>
             </a:r>
           </a:p>
         </p:txBody>
